--- a/outline_test_run.pptx
+++ b/outline_test_run.pptx
@@ -136,18 +136,18 @@
   <pc:docChgLst>
     <pc:chgData name="Tao Sun" userId="a384d41805799956" providerId="LiveId" clId="{B2981AE9-14A9-4C2F-B169-88C888F4C8A2}"/>
     <pc:docChg chg="undo redo custSel addSld delSld modSld sldOrd">
-      <pc:chgData name="Tao Sun" userId="a384d41805799956" providerId="LiveId" clId="{B2981AE9-14A9-4C2F-B169-88C888F4C8A2}" dt="2025-04-28T13:00:11.580" v="1745"/>
+      <pc:chgData name="Tao Sun" userId="a384d41805799956" providerId="LiveId" clId="{B2981AE9-14A9-4C2F-B169-88C888F4C8A2}" dt="2025-04-29T01:20:26.688" v="1763" actId="20577"/>
       <pc:docMkLst>
         <pc:docMk/>
       </pc:docMkLst>
       <pc:sldChg chg="addSp delSp modSp new mod modNotesTx">
-        <pc:chgData name="Tao Sun" userId="a384d41805799956" providerId="LiveId" clId="{B2981AE9-14A9-4C2F-B169-88C888F4C8A2}" dt="2025-04-26T04:25:39.262" v="1085" actId="20577"/>
+        <pc:chgData name="Tao Sun" userId="a384d41805799956" providerId="LiveId" clId="{B2981AE9-14A9-4C2F-B169-88C888F4C8A2}" dt="2025-04-29T01:20:01.738" v="1758" actId="20577"/>
         <pc:sldMkLst>
           <pc:docMk/>
           <pc:sldMk cId="2560246633" sldId="256"/>
         </pc:sldMkLst>
         <pc:spChg chg="add mod">
-          <ac:chgData name="Tao Sun" userId="a384d41805799956" providerId="LiveId" clId="{B2981AE9-14A9-4C2F-B169-88C888F4C8A2}" dt="2025-04-25T17:24:12.672" v="70" actId="20577"/>
+          <ac:chgData name="Tao Sun" userId="a384d41805799956" providerId="LiveId" clId="{B2981AE9-14A9-4C2F-B169-88C888F4C8A2}" dt="2025-04-29T01:02:41.983" v="1750" actId="20577"/>
           <ac:spMkLst>
             <pc:docMk/>
             <pc:sldMk cId="2560246633" sldId="256"/>
@@ -186,7 +186,7 @@
         </pc:spChg>
       </pc:sldChg>
       <pc:sldChg chg="addSp modSp new mod modNotesTx">
-        <pc:chgData name="Tao Sun" userId="a384d41805799956" providerId="LiveId" clId="{B2981AE9-14A9-4C2F-B169-88C888F4C8A2}" dt="2025-04-27T02:08:29.342" v="1550" actId="20577"/>
+        <pc:chgData name="Tao Sun" userId="a384d41805799956" providerId="LiveId" clId="{B2981AE9-14A9-4C2F-B169-88C888F4C8A2}" dt="2025-04-29T01:20:26.688" v="1763" actId="20577"/>
         <pc:sldMkLst>
           <pc:docMk/>
           <pc:sldMk cId="3722128632" sldId="259"/>
@@ -221,14 +221,6 @@
           <pc:docMk/>
           <pc:sldMk cId="3540468085" sldId="261"/>
         </pc:sldMkLst>
-        <pc:graphicFrameChg chg="add mod modGraphic">
-          <ac:chgData name="Tao Sun" userId="a384d41805799956" providerId="LiveId" clId="{B2981AE9-14A9-4C2F-B169-88C888F4C8A2}" dt="2025-04-27T00:12:01.822" v="1507" actId="20577"/>
-          <ac:graphicFrameMkLst>
-            <pc:docMk/>
-            <pc:sldMk cId="3540468085" sldId="261"/>
-            <ac:graphicFrameMk id="2" creationId="{1A5BAAA5-AC6E-4079-1387-A270B38D547E}"/>
-          </ac:graphicFrameMkLst>
-        </pc:graphicFrameChg>
         <pc:graphicFrameChg chg="add mod modGraphic">
           <ac:chgData name="Tao Sun" userId="a384d41805799956" providerId="LiveId" clId="{B2981AE9-14A9-4C2F-B169-88C888F4C8A2}" dt="2025-04-27T00:13:04.501" v="1515" actId="255"/>
           <ac:graphicFrameMkLst>
@@ -755,13 +747,8 @@
             </a:r>
             <a:r>
               <a:rPr lang="en-GB" dirty="0"/>
-              <a:t> for Biotechnology Information). </a:t>
-            </a:r>
-            <a:r>
-              <a:rPr lang="en-GB"/>
-              <a:t>(unreadable.)</a:t>
-            </a:r>
-            <a:endParaRPr lang="en-GB" dirty="0"/>
+              <a:t> for Biotechnology Information). (unreadable.)</a:t>
+            </a:r>
           </a:p>
           <a:p>
             <a:pPr>
@@ -1068,7 +1055,7 @@
             </a:br>
             <a:r>
               <a:rPr lang="en-GB" dirty="0"/>
-              <a:t>This suggests that your enriched GO terms are </a:t>
+              <a:t>This suggests that my enriched GO terms are </a:t>
             </a:r>
             <a:r>
               <a:rPr lang="en-GB" b="1" dirty="0"/>
@@ -1086,7 +1073,7 @@
             </a:pPr>
             <a:r>
               <a:rPr lang="en-GB" dirty="0"/>
-              <a:t>You had </a:t>
+              <a:t>I had </a:t>
             </a:r>
             <a:r>
               <a:rPr lang="en-GB" b="1" dirty="0"/>
@@ -1120,7 +1107,7 @@
             </a:r>
             <a:r>
               <a:rPr lang="en-GB" dirty="0"/>
-              <a:t> from your list.</a:t>
+              <a:t> from the list.</a:t>
             </a:r>
           </a:p>
           <a:p>
@@ -1470,7 +1457,7 @@
             </a:r>
             <a:r>
               <a:rPr lang="en-GB" dirty="0"/>
-              <a:t> across your 382 cells. After </a:t>
+              <a:t> across the 382 cells. After </a:t>
             </a:r>
             <a:r>
               <a:rPr lang="en-CA" dirty="0"/>
@@ -1823,14 +1810,13 @@
               <a:t>CellChat</a:t>
             </a:r>
             <a:r>
-              <a:rPr lang="en-GB"/>
+              <a:rPr lang="en-GB" dirty="0"/>
               <a:t> error with '0'</a:t>
             </a:r>
             <a:r>
-              <a:rPr lang="en-CA"/>
+              <a:rPr lang="en-CA" dirty="0"/>
               <a:t>)</a:t>
             </a:r>
-            <a:endParaRPr lang="en-CA" dirty="0"/>
           </a:p>
         </p:txBody>
       </p:sp>
@@ -5415,7 +5401,7 @@
                 <a:latin typeface="Times New Roman" panose="02020603050405020304" pitchFamily="18" charset="0"/>
                 <a:cs typeface="Times New Roman" panose="02020603050405020304" pitchFamily="18" charset="0"/>
               </a:rPr>
-              <a:t>We'll use R with Bioconductor package </a:t>
+              <a:t>Use R with Bioconductor package </a:t>
             </a:r>
             <a:r>
               <a:rPr lang="en-GB" altLang="en-US" dirty="0" err="1">
